--- a/docs/Foursquare’s Network Analyse.pptx
+++ b/docs/Foursquare’s Network Analyse.pptx
@@ -17,6 +17,7 @@
     <p:sldId id="261" r:id="rId11"/>
     <p:sldId id="267" r:id="rId12"/>
     <p:sldId id="262" r:id="rId13"/>
+    <p:sldId id="268" r:id="rId14"/>
   </p:sldIdLst>
   <p:sldSz cx="12192000" cy="6858000"/>
   <p:notesSz cx="6858000" cy="9144000"/>
@@ -846,7 +847,7 @@
             <a:fld id="{B61BEF0D-F0BB-DE4B-95CE-6DB70DBA9567}" type="datetimeFigureOut">
               <a:rPr lang="en-US" dirty="0"/>
               <a:pPr/>
-              <a:t>1/30/2019</a:t>
+              <a:t>2/1/2019</a:t>
             </a:fld>
             <a:endParaRPr lang="en-US" dirty="0"/>
           </a:p>
@@ -1094,7 +1095,7 @@
             <a:fld id="{B61BEF0D-F0BB-DE4B-95CE-6DB70DBA9567}" type="datetimeFigureOut">
               <a:rPr lang="en-US" dirty="0"/>
               <a:pPr/>
-              <a:t>1/30/2019</a:t>
+              <a:t>2/1/2019</a:t>
             </a:fld>
             <a:endParaRPr lang="en-US" dirty="0"/>
           </a:p>
@@ -1405,7 +1406,7 @@
             <a:fld id="{B61BEF0D-F0BB-DE4B-95CE-6DB70DBA9567}" type="datetimeFigureOut">
               <a:rPr lang="en-US" dirty="0"/>
               <a:pPr/>
-              <a:t>1/30/2019</a:t>
+              <a:t>2/1/2019</a:t>
             </a:fld>
             <a:endParaRPr lang="en-US" dirty="0"/>
           </a:p>
@@ -1743,7 +1744,7 @@
             <a:fld id="{B61BEF0D-F0BB-DE4B-95CE-6DB70DBA9567}" type="datetimeFigureOut">
               <a:rPr lang="en-US" dirty="0"/>
               <a:pPr/>
-              <a:t>1/30/2019</a:t>
+              <a:t>2/1/2019</a:t>
             </a:fld>
             <a:endParaRPr lang="en-US" dirty="0"/>
           </a:p>
@@ -2054,7 +2055,7 @@
             <a:fld id="{B61BEF0D-F0BB-DE4B-95CE-6DB70DBA9567}" type="datetimeFigureOut">
               <a:rPr lang="en-US" dirty="0"/>
               <a:pPr/>
-              <a:t>1/30/2019</a:t>
+              <a:t>2/1/2019</a:t>
             </a:fld>
             <a:endParaRPr lang="en-US" dirty="0"/>
           </a:p>
@@ -2444,7 +2445,7 @@
             <a:fld id="{B61BEF0D-F0BB-DE4B-95CE-6DB70DBA9567}" type="datetimeFigureOut">
               <a:rPr lang="en-US" dirty="0"/>
               <a:pPr/>
-              <a:t>1/30/2019</a:t>
+              <a:t>2/1/2019</a:t>
             </a:fld>
             <a:endParaRPr lang="en-US" dirty="0"/>
           </a:p>
@@ -2610,7 +2611,7 @@
           <a:p>
             <a:fld id="{55C6B4A9-1611-4792-9094-5F34BCA07E0B}" type="datetimeFigureOut">
               <a:rPr lang="en-US" dirty="0"/>
-              <a:t>1/30/2019</a:t>
+              <a:t>2/1/2019</a:t>
             </a:fld>
             <a:endParaRPr lang="en-US" dirty="0"/>
           </a:p>
@@ -2786,7 +2787,7 @@
             <a:fld id="{B61BEF0D-F0BB-DE4B-95CE-6DB70DBA9567}" type="datetimeFigureOut">
               <a:rPr lang="en-US" dirty="0"/>
               <a:pPr/>
-              <a:t>1/30/2019</a:t>
+              <a:t>2/1/2019</a:t>
             </a:fld>
             <a:endParaRPr lang="en-US" dirty="0"/>
           </a:p>
@@ -2959,7 +2960,7 @@
             <a:fld id="{B61BEF0D-F0BB-DE4B-95CE-6DB70DBA9567}" type="datetimeFigureOut">
               <a:rPr lang="en-US" dirty="0"/>
               <a:pPr/>
-              <a:t>1/30/2019</a:t>
+              <a:t>2/1/2019</a:t>
             </a:fld>
             <a:endParaRPr lang="en-US" dirty="0"/>
           </a:p>
@@ -3203,7 +3204,7 @@
             <a:fld id="{B61BEF0D-F0BB-DE4B-95CE-6DB70DBA9567}" type="datetimeFigureOut">
               <a:rPr lang="en-US" dirty="0"/>
               <a:pPr/>
-              <a:t>1/30/2019</a:t>
+              <a:t>2/1/2019</a:t>
             </a:fld>
             <a:endParaRPr lang="en-US" dirty="0"/>
           </a:p>
@@ -3431,7 +3432,7 @@
           <a:p>
             <a:fld id="{EB712588-04B1-427B-82EE-E8DB90309F08}" type="datetimeFigureOut">
               <a:rPr lang="en-US" dirty="0"/>
-              <a:t>1/30/2019</a:t>
+              <a:t>2/1/2019</a:t>
             </a:fld>
             <a:endParaRPr lang="en-US" dirty="0"/>
           </a:p>
@@ -3801,7 +3802,7 @@
             <a:fld id="{B61BEF0D-F0BB-DE4B-95CE-6DB70DBA9567}" type="datetimeFigureOut">
               <a:rPr lang="en-US" dirty="0"/>
               <a:pPr/>
-              <a:t>1/30/2019</a:t>
+              <a:t>2/1/2019</a:t>
             </a:fld>
             <a:endParaRPr lang="en-US" dirty="0"/>
           </a:p>
@@ -3921,7 +3922,7 @@
             <a:fld id="{B61BEF0D-F0BB-DE4B-95CE-6DB70DBA9567}" type="datetimeFigureOut">
               <a:rPr lang="en-US" dirty="0"/>
               <a:pPr/>
-              <a:t>1/30/2019</a:t>
+              <a:t>2/1/2019</a:t>
             </a:fld>
             <a:endParaRPr lang="en-US" dirty="0"/>
           </a:p>
@@ -4013,7 +4014,7 @@
             <a:fld id="{B61BEF0D-F0BB-DE4B-95CE-6DB70DBA9567}" type="datetimeFigureOut">
               <a:rPr lang="en-US" dirty="0"/>
               <a:pPr/>
-              <a:t>1/30/2019</a:t>
+              <a:t>2/1/2019</a:t>
             </a:fld>
             <a:endParaRPr lang="en-US" dirty="0"/>
           </a:p>
@@ -4264,7 +4265,7 @@
           <a:p>
             <a:fld id="{42A54C80-263E-416B-A8E0-580EDEADCBDC}" type="datetimeFigureOut">
               <a:rPr lang="en-US" dirty="0"/>
-              <a:t>1/30/2019</a:t>
+              <a:t>2/1/2019</a:t>
             </a:fld>
             <a:endParaRPr lang="en-US" dirty="0"/>
           </a:p>
@@ -4523,7 +4524,7 @@
             <a:fld id="{B61BEF0D-F0BB-DE4B-95CE-6DB70DBA9567}" type="datetimeFigureOut">
               <a:rPr lang="en-US" dirty="0"/>
               <a:pPr/>
-              <a:t>1/30/2019</a:t>
+              <a:t>2/1/2019</a:t>
             </a:fld>
             <a:endParaRPr lang="en-US" dirty="0"/>
           </a:p>
@@ -5263,7 +5264,7 @@
             <a:fld id="{B61BEF0D-F0BB-DE4B-95CE-6DB70DBA9567}" type="datetimeFigureOut">
               <a:rPr lang="en-US" dirty="0"/>
               <a:pPr/>
-              <a:t>1/30/2019</a:t>
+              <a:t>2/1/2019</a:t>
             </a:fld>
             <a:endParaRPr lang="en-US" dirty="0"/>
           </a:p>
@@ -5824,12 +5825,47 @@
             <p:ph type="subTitle" idx="1"/>
           </p:nvPr>
         </p:nvSpPr>
-        <p:spPr/>
-        <p:txBody>
-          <a:bodyPr/>
+        <p:spPr>
+          <a:xfrm>
+            <a:off x="1507067" y="4050833"/>
+            <a:ext cx="7766936" cy="2478756"/>
+          </a:xfrm>
+        </p:spPr>
+        <p:txBody>
+          <a:bodyPr>
+            <a:normAutofit/>
+          </a:bodyPr>
           <a:lstStyle/>
           <a:p>
-            <a:endParaRPr lang="pt-BR"/>
+            <a:r>
+              <a:rPr lang="pt-BR" dirty="0" smtClean="0"/>
+              <a:t>Henrique Lima</a:t>
+            </a:r>
+          </a:p>
+          <a:p>
+            <a:r>
+              <a:rPr lang="pt-BR" dirty="0" err="1" smtClean="0"/>
+              <a:t>Mácio</a:t>
+            </a:r>
+            <a:r>
+              <a:rPr lang="pt-BR" dirty="0" smtClean="0"/>
+              <a:t> Matheus</a:t>
+            </a:r>
+          </a:p>
+          <a:p>
+            <a:r>
+              <a:rPr lang="pt-BR" dirty="0" smtClean="0"/>
+              <a:t>Victor Outtes</a:t>
+            </a:r>
+          </a:p>
+          <a:p>
+            <a:r>
+              <a:rPr lang="pt-BR" dirty="0" smtClean="0"/>
+              <a:t>Julio Sales</a:t>
+            </a:r>
+          </a:p>
+          <a:p>
+            <a:endParaRPr lang="pt-BR" dirty="0"/>
           </a:p>
         </p:txBody>
       </p:sp>
@@ -5890,7 +5926,7 @@
           <p:cNvPr id="8" name="CaixaDeTexto 7">
             <a:extLst>
               <a:ext uri="{FF2B5EF4-FFF2-40B4-BE49-F238E27FC236}">
-                <a16:creationId xmlns:a16="http://schemas.microsoft.com/office/drawing/2014/main" xmlns="" id="{61ED55C9-13D3-498C-9A3C-4AA249C26E65}"/>
+                <a16:creationId xmlns="" xmlns:a16="http://schemas.microsoft.com/office/drawing/2014/main" id="{61ED55C9-13D3-498C-9A3C-4AA249C26E65}"/>
               </a:ext>
             </a:extLst>
           </p:cNvPr>
@@ -5914,74 +5950,38 @@
           <a:lstStyle/>
           <a:p>
             <a:r>
-              <a:rPr lang="pt-BR" dirty="0">
-                <a:solidFill>
-                  <a:srgbClr val="FF0000"/>
-                </a:solidFill>
-              </a:rPr>
+              <a:rPr lang="pt-BR" dirty="0"/>
               <a:t>6 comunidades</a:t>
             </a:r>
           </a:p>
           <a:p>
-            <a:endParaRPr lang="pt-BR" dirty="0">
-              <a:solidFill>
-                <a:srgbClr val="FF0000"/>
-              </a:solidFill>
-            </a:endParaRPr>
-          </a:p>
-          <a:p>
-            <a:endParaRPr lang="pt-BR" dirty="0">
-              <a:solidFill>
-                <a:srgbClr val="FF0000"/>
-              </a:solidFill>
-            </a:endParaRPr>
-          </a:p>
-          <a:p>
-            <a:r>
-              <a:rPr lang="pt-BR" dirty="0">
-                <a:solidFill>
-                  <a:srgbClr val="FF0000"/>
-                </a:solidFill>
-              </a:rPr>
+            <a:endParaRPr lang="pt-BR" dirty="0"/>
+          </a:p>
+          <a:p>
+            <a:endParaRPr lang="pt-BR" dirty="0"/>
+          </a:p>
+          <a:p>
+            <a:r>
+              <a:rPr lang="pt-BR" dirty="0"/>
               <a:t>Cor: comunidade do nó</a:t>
             </a:r>
           </a:p>
           <a:p>
-            <a:endParaRPr lang="pt-BR" dirty="0">
-              <a:solidFill>
-                <a:srgbClr val="FF0000"/>
-              </a:solidFill>
-            </a:endParaRPr>
-          </a:p>
-          <a:p>
-            <a:endParaRPr lang="pt-BR" dirty="0">
-              <a:solidFill>
-                <a:srgbClr val="FF0000"/>
-              </a:solidFill>
-            </a:endParaRPr>
-          </a:p>
-          <a:p>
-            <a:r>
-              <a:rPr lang="pt-BR" dirty="0">
-                <a:solidFill>
-                  <a:srgbClr val="FF0000"/>
-                </a:solidFill>
-              </a:rPr>
+            <a:endParaRPr lang="pt-BR" dirty="0"/>
+          </a:p>
+          <a:p>
+            <a:endParaRPr lang="pt-BR" dirty="0"/>
+          </a:p>
+          <a:p>
+            <a:r>
+              <a:rPr lang="pt-BR" dirty="0"/>
               <a:t>Tamanho: centralidade de </a:t>
             </a:r>
             <a:r>
-              <a:rPr lang="pt-BR" dirty="0" err="1">
-                <a:solidFill>
-                  <a:srgbClr val="FF0000"/>
-                </a:solidFill>
-              </a:rPr>
-              <a:t>autovetor</a:t>
-            </a:r>
-            <a:endParaRPr lang="pt-BR" dirty="0">
-              <a:solidFill>
-                <a:srgbClr val="FF0000"/>
-              </a:solidFill>
-            </a:endParaRPr>
+              <a:rPr lang="pt-BR" dirty="0" smtClean="0"/>
+              <a:t>auto vetor</a:t>
+            </a:r>
+            <a:endParaRPr lang="pt-BR" dirty="0"/>
           </a:p>
         </p:txBody>
       </p:sp>
@@ -5990,7 +5990,7 @@
           <p:cNvPr id="12" name="Imagem 11">
             <a:extLst>
               <a:ext uri="{FF2B5EF4-FFF2-40B4-BE49-F238E27FC236}">
-                <a16:creationId xmlns:a16="http://schemas.microsoft.com/office/drawing/2014/main" xmlns="" id="{3A3E2920-929B-4DA2-8991-B8143AD3FD64}"/>
+                <a16:creationId xmlns="" xmlns:a16="http://schemas.microsoft.com/office/drawing/2014/main" id="{3A3E2920-929B-4DA2-8991-B8143AD3FD64}"/>
               </a:ext>
             </a:extLst>
           </p:cNvPr>
@@ -6050,7 +6050,7 @@
           <p:cNvPr id="13" name="Imagem 12">
             <a:extLst>
               <a:ext uri="{FF2B5EF4-FFF2-40B4-BE49-F238E27FC236}">
-                <a16:creationId xmlns:a16="http://schemas.microsoft.com/office/drawing/2014/main" xmlns="" id="{F6A746F9-9ECD-42CC-B26D-0DD30A52809D}"/>
+                <a16:creationId xmlns="" xmlns:a16="http://schemas.microsoft.com/office/drawing/2014/main" id="{F6A746F9-9ECD-42CC-B26D-0DD30A52809D}"/>
               </a:ext>
             </a:extLst>
           </p:cNvPr>
@@ -6080,7 +6080,7 @@
           <p:cNvPr id="2" name="Título 1">
             <a:extLst>
               <a:ext uri="{FF2B5EF4-FFF2-40B4-BE49-F238E27FC236}">
-                <a16:creationId xmlns:a16="http://schemas.microsoft.com/office/drawing/2014/main" xmlns="" id="{71DB5B39-EAF3-439A-8484-E547FAE8218C}"/>
+                <a16:creationId xmlns="" xmlns:a16="http://schemas.microsoft.com/office/drawing/2014/main" id="{71DB5B39-EAF3-439A-8484-E547FAE8218C}"/>
               </a:ext>
             </a:extLst>
           </p:cNvPr>
@@ -6108,7 +6108,7 @@
           <p:cNvPr id="7" name="Retângulo: Cantos Arredondados 6">
             <a:extLst>
               <a:ext uri="{FF2B5EF4-FFF2-40B4-BE49-F238E27FC236}">
-                <a16:creationId xmlns:a16="http://schemas.microsoft.com/office/drawing/2014/main" xmlns="" id="{01AB2DBC-1523-4280-806B-45E6B0F7FA21}"/>
+                <a16:creationId xmlns="" xmlns:a16="http://schemas.microsoft.com/office/drawing/2014/main" id="{01AB2DBC-1523-4280-806B-45E6B0F7FA21}"/>
               </a:ext>
             </a:extLst>
           </p:cNvPr>
@@ -6223,7 +6223,7 @@
           <p:cNvPr id="8" name="Retângulo: Cantos Arredondados 7">
             <a:extLst>
               <a:ext uri="{FF2B5EF4-FFF2-40B4-BE49-F238E27FC236}">
-                <a16:creationId xmlns:a16="http://schemas.microsoft.com/office/drawing/2014/main" xmlns="" id="{B8AD6EE8-C0E8-490F-A291-874798FAD43D}"/>
+                <a16:creationId xmlns="" xmlns:a16="http://schemas.microsoft.com/office/drawing/2014/main" id="{B8AD6EE8-C0E8-490F-A291-874798FAD43D}"/>
               </a:ext>
             </a:extLst>
           </p:cNvPr>
@@ -6334,7 +6334,7 @@
           <p:cNvPr id="9" name="Retângulo: Cantos Arredondados 8">
             <a:extLst>
               <a:ext uri="{FF2B5EF4-FFF2-40B4-BE49-F238E27FC236}">
-                <a16:creationId xmlns:a16="http://schemas.microsoft.com/office/drawing/2014/main" xmlns="" id="{D00B74BC-0883-47A3-8DB5-B2264A83B349}"/>
+                <a16:creationId xmlns="" xmlns:a16="http://schemas.microsoft.com/office/drawing/2014/main" id="{D00B74BC-0883-47A3-8DB5-B2264A83B349}"/>
               </a:ext>
             </a:extLst>
           </p:cNvPr>
@@ -6470,7 +6470,7 @@
           <p:cNvPr id="10" name="Retângulo: Cantos Arredondados 9">
             <a:extLst>
               <a:ext uri="{FF2B5EF4-FFF2-40B4-BE49-F238E27FC236}">
-                <a16:creationId xmlns:a16="http://schemas.microsoft.com/office/drawing/2014/main" xmlns="" id="{1F3271E4-BB57-493E-82E6-AAC07F21B242}"/>
+                <a16:creationId xmlns="" xmlns:a16="http://schemas.microsoft.com/office/drawing/2014/main" id="{1F3271E4-BB57-493E-82E6-AAC07F21B242}"/>
               </a:ext>
             </a:extLst>
           </p:cNvPr>
@@ -6607,7 +6607,7 @@
           <p:cNvPr id="11" name="Retângulo: Cantos Arredondados 10">
             <a:extLst>
               <a:ext uri="{FF2B5EF4-FFF2-40B4-BE49-F238E27FC236}">
-                <a16:creationId xmlns:a16="http://schemas.microsoft.com/office/drawing/2014/main" xmlns="" id="{A6DEC8E8-B7E1-45A4-A279-BA61F9007E67}"/>
+                <a16:creationId xmlns="" xmlns:a16="http://schemas.microsoft.com/office/drawing/2014/main" id="{A6DEC8E8-B7E1-45A4-A279-BA61F9007E67}"/>
               </a:ext>
             </a:extLst>
           </p:cNvPr>
@@ -6733,7 +6733,7 @@
           <p:cNvPr id="12" name="Retângulo: Cantos Arredondados 11">
             <a:extLst>
               <a:ext uri="{FF2B5EF4-FFF2-40B4-BE49-F238E27FC236}">
-                <a16:creationId xmlns:a16="http://schemas.microsoft.com/office/drawing/2014/main" xmlns="" id="{BF647112-DC6A-4460-A8AA-DD003847CB68}"/>
+                <a16:creationId xmlns="" xmlns:a16="http://schemas.microsoft.com/office/drawing/2014/main" id="{BF647112-DC6A-4460-A8AA-DD003847CB68}"/>
               </a:ext>
             </a:extLst>
           </p:cNvPr>
@@ -6917,7 +6917,7 @@
           <p:cNvPr id="15" name="Conector de Seta Reta 14">
             <a:extLst>
               <a:ext uri="{FF2B5EF4-FFF2-40B4-BE49-F238E27FC236}">
-                <a16:creationId xmlns:a16="http://schemas.microsoft.com/office/drawing/2014/main" xmlns="" id="{6A796FFE-136E-4698-BBF9-EF692F742D92}"/>
+                <a16:creationId xmlns="" xmlns:a16="http://schemas.microsoft.com/office/drawing/2014/main" id="{6A796FFE-136E-4698-BBF9-EF692F742D92}"/>
               </a:ext>
             </a:extLst>
           </p:cNvPr>
@@ -6964,7 +6964,7 @@
           <p:cNvPr id="17" name="Conector de Seta Reta 16">
             <a:extLst>
               <a:ext uri="{FF2B5EF4-FFF2-40B4-BE49-F238E27FC236}">
-                <a16:creationId xmlns:a16="http://schemas.microsoft.com/office/drawing/2014/main" xmlns="" id="{29471288-8F11-443F-9055-F011309736D5}"/>
+                <a16:creationId xmlns="" xmlns:a16="http://schemas.microsoft.com/office/drawing/2014/main" id="{29471288-8F11-443F-9055-F011309736D5}"/>
               </a:ext>
             </a:extLst>
           </p:cNvPr>
@@ -7011,7 +7011,7 @@
           <p:cNvPr id="19" name="Conector de Seta Reta 18">
             <a:extLst>
               <a:ext uri="{FF2B5EF4-FFF2-40B4-BE49-F238E27FC236}">
-                <a16:creationId xmlns:a16="http://schemas.microsoft.com/office/drawing/2014/main" xmlns="" id="{70633604-6DA6-437C-BFB4-7E67C3DD7559}"/>
+                <a16:creationId xmlns="" xmlns:a16="http://schemas.microsoft.com/office/drawing/2014/main" id="{70633604-6DA6-437C-BFB4-7E67C3DD7559}"/>
               </a:ext>
             </a:extLst>
           </p:cNvPr>
@@ -7058,7 +7058,7 @@
           <p:cNvPr id="21" name="Conector de Seta Reta 20">
             <a:extLst>
               <a:ext uri="{FF2B5EF4-FFF2-40B4-BE49-F238E27FC236}">
-                <a16:creationId xmlns:a16="http://schemas.microsoft.com/office/drawing/2014/main" xmlns="" id="{38CA60CF-08B9-48F8-95C4-341BD45E05EE}"/>
+                <a16:creationId xmlns="" xmlns:a16="http://schemas.microsoft.com/office/drawing/2014/main" id="{38CA60CF-08B9-48F8-95C4-341BD45E05EE}"/>
               </a:ext>
             </a:extLst>
           </p:cNvPr>
@@ -7105,7 +7105,7 @@
           <p:cNvPr id="23" name="Conector de Seta Reta 22">
             <a:extLst>
               <a:ext uri="{FF2B5EF4-FFF2-40B4-BE49-F238E27FC236}">
-                <a16:creationId xmlns:a16="http://schemas.microsoft.com/office/drawing/2014/main" xmlns="" id="{C7A72E94-0BDF-43CD-A12F-973E6D1EF7A9}"/>
+                <a16:creationId xmlns="" xmlns:a16="http://schemas.microsoft.com/office/drawing/2014/main" id="{C7A72E94-0BDF-43CD-A12F-973E6D1EF7A9}"/>
               </a:ext>
             </a:extLst>
           </p:cNvPr>
@@ -7152,7 +7152,7 @@
           <p:cNvPr id="25" name="Conector de Seta Reta 24">
             <a:extLst>
               <a:ext uri="{FF2B5EF4-FFF2-40B4-BE49-F238E27FC236}">
-                <a16:creationId xmlns:a16="http://schemas.microsoft.com/office/drawing/2014/main" xmlns="" id="{77D8192B-28C1-4494-BECA-22412716A133}"/>
+                <a16:creationId xmlns="" xmlns:a16="http://schemas.microsoft.com/office/drawing/2014/main" id="{77D8192B-28C1-4494-BECA-22412716A133}"/>
               </a:ext>
             </a:extLst>
           </p:cNvPr>
@@ -8389,8 +8389,34 @@
           </a:p>
           <a:p>
             <a:r>
+              <a:rPr lang="pt-BR" dirty="0" smtClean="0"/>
+              <a:t>Fazer mapeamento de nichos de </a:t>
+            </a:r>
+          </a:p>
+          <a:p>
+            <a:pPr marL="0" indent="0">
+              <a:buNone/>
+            </a:pPr>
+            <a:r>
+              <a:rPr lang="pt-BR" dirty="0" smtClean="0"/>
+              <a:t>     frequentadores para planejamento de </a:t>
+            </a:r>
+          </a:p>
+          <a:p>
+            <a:pPr marL="0" indent="0">
+              <a:buNone/>
+            </a:pPr>
+            <a:r>
               <a:rPr lang="pt-BR" dirty="0"/>
-              <a:t>Prever possíveis usuários vindo de outras</a:t>
+              <a:t> </a:t>
+            </a:r>
+            <a:r>
+              <a:rPr lang="pt-BR" dirty="0" smtClean="0"/>
+              <a:t>    campanhas de publicidades direcionadas.</a:t>
+            </a:r>
+            <a:r>
+              <a:rPr lang="pt-BR" dirty="0" smtClean="0"/>
+              <a:t> </a:t>
             </a:r>
           </a:p>
           <a:p>
@@ -8399,8 +8425,9 @@
             </a:pPr>
             <a:r>
               <a:rPr lang="pt-BR" dirty="0"/>
-              <a:t>comunidades</a:t>
-            </a:r>
+              <a:t>	</a:t>
+            </a:r>
+            <a:endParaRPr lang="pt-BR" dirty="0"/>
           </a:p>
           <a:p>
             <a:pPr marL="0" indent="0">
@@ -8459,6 +8486,116 @@
 </p:sld>
 </file>
 
+<file path=ppt/slides/slide13.xml><?xml version="1.0" encoding="utf-8"?>
+<p:sld xmlns:a="http://schemas.openxmlformats.org/drawingml/2006/main" xmlns:r="http://schemas.openxmlformats.org/officeDocument/2006/relationships" xmlns:p="http://schemas.openxmlformats.org/presentationml/2006/main">
+  <p:cSld>
+    <p:spTree>
+      <p:nvGrpSpPr>
+        <p:cNvPr id="1" name=""/>
+        <p:cNvGrpSpPr/>
+        <p:nvPr/>
+      </p:nvGrpSpPr>
+      <p:grpSpPr>
+        <a:xfrm>
+          <a:off x="0" y="0"/>
+          <a:ext cx="0" cy="0"/>
+          <a:chOff x="0" y="0"/>
+          <a:chExt cx="0" cy="0"/>
+        </a:xfrm>
+      </p:grpSpPr>
+      <p:sp>
+        <p:nvSpPr>
+          <p:cNvPr id="2" name="Título 1"/>
+          <p:cNvSpPr>
+            <a:spLocks noGrp="1"/>
+          </p:cNvSpPr>
+          <p:nvPr>
+            <p:ph type="title"/>
+          </p:nvPr>
+        </p:nvSpPr>
+        <p:spPr/>
+        <p:txBody>
+          <a:bodyPr/>
+          <a:lstStyle/>
+          <a:p>
+            <a:r>
+              <a:rPr lang="pt-BR" dirty="0"/>
+              <a:t>Utilidade dos dados</a:t>
+            </a:r>
+          </a:p>
+        </p:txBody>
+      </p:sp>
+      <p:pic>
+        <p:nvPicPr>
+          <p:cNvPr id="6" name="Imagem 5"/>
+          <p:cNvPicPr>
+            <a:picLocks noChangeAspect="1"/>
+          </p:cNvPicPr>
+          <p:nvPr/>
+        </p:nvPicPr>
+        <p:blipFill>
+          <a:blip r:embed="rId2"/>
+          <a:stretch>
+            <a:fillRect/>
+          </a:stretch>
+        </p:blipFill>
+        <p:spPr>
+          <a:xfrm>
+            <a:off x="5070050" y="1519706"/>
+            <a:ext cx="5233049" cy="5061397"/>
+          </a:xfrm>
+          <a:prstGeom prst="rect">
+            <a:avLst/>
+          </a:prstGeom>
+        </p:spPr>
+      </p:pic>
+      <p:sp>
+        <p:nvSpPr>
+          <p:cNvPr id="7" name="CaixaDeTexto 6"/>
+          <p:cNvSpPr txBox="1"/>
+          <p:nvPr/>
+        </p:nvSpPr>
+        <p:spPr>
+          <a:xfrm>
+            <a:off x="772732" y="2253803"/>
+            <a:ext cx="3683358" cy="646331"/>
+          </a:xfrm>
+          <a:prstGeom prst="rect">
+            <a:avLst/>
+          </a:prstGeom>
+          <a:noFill/>
+        </p:spPr>
+        <p:txBody>
+          <a:bodyPr wrap="square" rtlCol="0">
+            <a:spAutoFit/>
+          </a:bodyPr>
+          <a:lstStyle/>
+          <a:p>
+            <a:r>
+              <a:rPr lang="pt-BR" dirty="0" smtClean="0"/>
+              <a:t>Os dados da tabela ao lado são os 10 usuários mais influentes</a:t>
+            </a:r>
+            <a:r>
+              <a:rPr lang="pt-BR" smtClean="0"/>
+              <a:t>. </a:t>
+            </a:r>
+            <a:endParaRPr lang="pt-BR" dirty="0"/>
+          </a:p>
+        </p:txBody>
+      </p:sp>
+    </p:spTree>
+    <p:extLst>
+      <p:ext uri="{BB962C8B-B14F-4D97-AF65-F5344CB8AC3E}">
+        <p14:creationId xmlns:p14="http://schemas.microsoft.com/office/powerpoint/2010/main" val="1436757806"/>
+      </p:ext>
+    </p:extLst>
+  </p:cSld>
+  <p:clrMapOvr>
+    <a:masterClrMapping/>
+  </p:clrMapOvr>
+</p:sld>
+</file>
+
 <file path=ppt/slides/slide2.xml><?xml version="1.0" encoding="utf-8"?>
 <p:sld xmlns:a="http://schemas.openxmlformats.org/drawingml/2006/main" xmlns:r="http://schemas.openxmlformats.org/officeDocument/2006/relationships" xmlns:p="http://schemas.openxmlformats.org/presentationml/2006/main">
   <p:cSld>
@@ -8496,8 +8633,8 @@
               <a:t>Rede da </a:t>
             </a:r>
             <a:r>
-              <a:rPr lang="pt-BR" dirty="0" err="1"/>
-              <a:t>Foursquere</a:t>
+              <a:rPr lang="pt-BR" dirty="0" err="1" smtClean="0"/>
+              <a:t>Foursquare</a:t>
             </a:r>
             <a:endParaRPr lang="pt-BR" dirty="0"/>
           </a:p>
@@ -8523,12 +8660,16 @@
               <a:t>O que é o </a:t>
             </a:r>
             <a:r>
-              <a:rPr lang="pt-BR" sz="3600" dirty="0" err="1"/>
-              <a:t>Foursquere</a:t>
+              <a:rPr lang="pt-BR" sz="3600" dirty="0" err="1" smtClean="0"/>
+              <a:t>Foursquare</a:t>
+            </a:r>
+            <a:r>
+              <a:rPr lang="pt-BR" sz="3600" dirty="0" smtClean="0"/>
+              <a:t> </a:t>
             </a:r>
             <a:r>
               <a:rPr lang="pt-BR" sz="3600" dirty="0"/>
-              <a:t> ? </a:t>
+              <a:t>? </a:t>
             </a:r>
           </a:p>
           <a:p>
@@ -8693,8 +8834,16 @@
               <a:t>, Pandas, </a:t>
             </a:r>
             <a:r>
-              <a:rPr lang="pt-BR" dirty="0" err="1"/>
+              <a:rPr lang="pt-BR" dirty="0" err="1" smtClean="0"/>
               <a:t>Numpy</a:t>
+            </a:r>
+            <a:r>
+              <a:rPr lang="pt-BR" dirty="0" smtClean="0"/>
+              <a:t>, Python-</a:t>
+            </a:r>
+            <a:r>
+              <a:rPr lang="pt-BR" dirty="0" err="1" smtClean="0"/>
+              <a:t>Louvain</a:t>
             </a:r>
             <a:endParaRPr lang="pt-BR" dirty="0"/>
           </a:p>
@@ -8902,7 +9051,11 @@
           <a:lstStyle/>
           <a:p>
             <a:r>
-              <a:rPr lang="pt-BR" dirty="0"/>
+              <a:rPr lang="pt-BR" dirty="0">
+                <a:solidFill>
+                  <a:schemeClr val="tx1"/>
+                </a:solidFill>
+              </a:rPr>
               <a:t>Sobre o que a rede trata ? </a:t>
             </a:r>
           </a:p>
@@ -8911,7 +9064,7 @@
             <a:r>
               <a:rPr lang="pt-BR" dirty="0">
                 <a:solidFill>
-                  <a:srgbClr val="FF0000"/>
+                  <a:schemeClr val="tx1"/>
                 </a:solidFill>
               </a:rPr>
               <a:t>Locais de Nova York</a:t>
@@ -8922,73 +9075,85 @@
             <a:r>
               <a:rPr lang="pt-BR" dirty="0">
                 <a:solidFill>
-                  <a:srgbClr val="FF0000"/>
+                  <a:schemeClr val="tx1"/>
                 </a:solidFill>
               </a:rPr>
               <a:t>Pessoas que curtiram os mesmos locais</a:t>
             </a:r>
           </a:p>
           <a:p>
-            <a:endParaRPr lang="pt-BR" sz="2400" dirty="0"/>
-          </a:p>
-          <a:p>
-            <a:r>
-              <a:rPr lang="pt-BR" dirty="0"/>
-              <a:t>Quantidade de Nós: </a:t>
-            </a:r>
+            <a:endParaRPr lang="pt-BR" sz="2400" dirty="0">
+              <a:solidFill>
+                <a:schemeClr val="tx1"/>
+              </a:solidFill>
+            </a:endParaRPr>
+          </a:p>
+          <a:p>
             <a:r>
               <a:rPr lang="pt-BR" dirty="0">
                 <a:solidFill>
-                  <a:srgbClr val="FF0000"/>
+                  <a:schemeClr val="tx1"/>
                 </a:solidFill>
               </a:rPr>
-              <a:t>2.429</a:t>
-            </a:r>
-          </a:p>
-          <a:p>
-            <a:endParaRPr lang="pt-BR" dirty="0"/>
-          </a:p>
-          <a:p>
-            <a:r>
-              <a:rPr lang="pt-BR" dirty="0"/>
-              <a:t>Quantidade de Arestas: </a:t>
-            </a:r>
+              <a:t>Quantidade de Nós: 2.429</a:t>
+            </a:r>
+          </a:p>
+          <a:p>
+            <a:endParaRPr lang="pt-BR" dirty="0">
+              <a:solidFill>
+                <a:schemeClr val="tx1"/>
+              </a:solidFill>
+            </a:endParaRPr>
+          </a:p>
+          <a:p>
             <a:r>
               <a:rPr lang="pt-BR" dirty="0">
                 <a:solidFill>
-                  <a:srgbClr val="FF0000"/>
+                  <a:schemeClr val="tx1"/>
                 </a:solidFill>
               </a:rPr>
-              <a:t>455.374</a:t>
-            </a:r>
-          </a:p>
-          <a:p>
-            <a:endParaRPr lang="pt-BR" dirty="0"/>
-          </a:p>
-          <a:p>
-            <a:r>
-              <a:rPr lang="pt-BR" dirty="0"/>
-              <a:t>Tipo da rede: </a:t>
-            </a:r>
+              <a:t>Quantidade de Arestas: 455.374</a:t>
+            </a:r>
+          </a:p>
+          <a:p>
+            <a:endParaRPr lang="pt-BR" dirty="0">
+              <a:solidFill>
+                <a:schemeClr val="tx1"/>
+              </a:solidFill>
+            </a:endParaRPr>
+          </a:p>
+          <a:p>
             <a:r>
               <a:rPr lang="pt-BR" dirty="0">
                 <a:solidFill>
-                  <a:srgbClr val="FF0000"/>
+                  <a:schemeClr val="tx1"/>
                 </a:solidFill>
               </a:rPr>
-              <a:t>Não direcionada</a:t>
-            </a:r>
-          </a:p>
-          <a:p>
-            <a:endParaRPr lang="pt-BR" dirty="0"/>
-          </a:p>
-          <a:p>
-            <a:r>
-              <a:rPr lang="pt-BR" dirty="0"/>
+              <a:t>Tipo da rede: Não direcionada</a:t>
+            </a:r>
+          </a:p>
+          <a:p>
+            <a:endParaRPr lang="pt-BR" dirty="0">
+              <a:solidFill>
+                <a:schemeClr val="tx1"/>
+              </a:solidFill>
+            </a:endParaRPr>
+          </a:p>
+          <a:p>
+            <a:r>
+              <a:rPr lang="pt-BR" dirty="0">
+                <a:solidFill>
+                  <a:schemeClr val="tx1"/>
+                </a:solidFill>
+              </a:rPr>
               <a:t>Visualização da Rede: </a:t>
             </a:r>
             <a:r>
-              <a:rPr lang="pt-BR" dirty="0" err="1"/>
+              <a:rPr lang="pt-BR" dirty="0" err="1">
+                <a:solidFill>
+                  <a:schemeClr val="tx1"/>
+                </a:solidFill>
+              </a:rPr>
               <a:t>Graph</a:t>
             </a:r>
             <a:r>
@@ -9107,7 +9272,7 @@
             <a:r>
               <a:rPr lang="pt-BR" sz="2400" dirty="0">
                 <a:solidFill>
-                  <a:srgbClr val="FF0000"/>
+                  <a:schemeClr val="tx1"/>
                 </a:solidFill>
               </a:rPr>
               <a:t>Grande quantidade de dados</a:t>
@@ -9118,7 +9283,7 @@
             <a:r>
               <a:rPr lang="pt-BR" sz="2200" dirty="0">
                 <a:solidFill>
-                  <a:srgbClr val="FF0000"/>
+                  <a:schemeClr val="tx1"/>
                 </a:solidFill>
               </a:rPr>
               <a:t>Inicialmente 120.877 </a:t>
@@ -9126,7 +9291,7 @@
             <a:r>
               <a:rPr lang="pt-BR" sz="2200" i="1" dirty="0">
                 <a:solidFill>
-                  <a:srgbClr val="FF0000"/>
+                  <a:schemeClr val="tx1"/>
                 </a:solidFill>
               </a:rPr>
               <a:t>likes</a:t>
@@ -9138,7 +9303,7 @@
             </a:pPr>
             <a:endParaRPr lang="pt-BR" sz="2400" dirty="0">
               <a:solidFill>
-                <a:srgbClr val="FF0000"/>
+                <a:schemeClr val="tx1"/>
               </a:solidFill>
             </a:endParaRPr>
           </a:p>
@@ -9146,7 +9311,7 @@
             <a:r>
               <a:rPr lang="pt-BR" sz="2400" dirty="0">
                 <a:solidFill>
-                  <a:srgbClr val="FF0000"/>
+                  <a:schemeClr val="tx1"/>
                 </a:solidFill>
               </a:rPr>
               <a:t>Filtros:</a:t>
@@ -9157,7 +9322,7 @@
             <a:r>
               <a:rPr lang="pt-BR" sz="2200" dirty="0">
                 <a:solidFill>
-                  <a:srgbClr val="FF0000"/>
+                  <a:schemeClr val="tx1"/>
                 </a:solidFill>
               </a:rPr>
               <a:t>Locais com até 650 likes</a:t>
@@ -9168,18 +9333,47 @@
             <a:r>
               <a:rPr lang="pt-BR" sz="2000" dirty="0">
                 <a:solidFill>
-                  <a:srgbClr val="FF0000"/>
+                  <a:schemeClr val="tx1"/>
                 </a:solidFill>
               </a:rPr>
-              <a:t>Eliminar os maiores pontos turísticos, os quais todo mundo vai</a:t>
-            </a:r>
+              <a:t>Eliminar os maiores pontos </a:t>
+            </a:r>
+            <a:r>
+              <a:rPr lang="pt-BR" sz="2000" dirty="0" smtClean="0">
+                <a:solidFill>
+                  <a:schemeClr val="tx1"/>
+                </a:solidFill>
+              </a:rPr>
+              <a:t>turísticos para </a:t>
+            </a:r>
+            <a:r>
+              <a:rPr lang="pt-BR" sz="2000" dirty="0">
+                <a:solidFill>
+                  <a:schemeClr val="tx1"/>
+                </a:solidFill>
+              </a:rPr>
+              <a:t>os quais todo mundo </a:t>
+            </a:r>
+            <a:r>
+              <a:rPr lang="pt-BR" sz="2000" dirty="0" smtClean="0">
+                <a:solidFill>
+                  <a:schemeClr val="tx1"/>
+                </a:solidFill>
+              </a:rPr>
+              <a:t>vai.</a:t>
+            </a:r>
+            <a:endParaRPr lang="pt-BR" sz="2000" dirty="0">
+              <a:solidFill>
+                <a:schemeClr val="tx1"/>
+              </a:solidFill>
+            </a:endParaRPr>
           </a:p>
           <a:p>
             <a:pPr lvl="1"/>
             <a:r>
               <a:rPr lang="pt-BR" sz="2200" dirty="0">
                 <a:solidFill>
-                  <a:srgbClr val="FF0000"/>
+                  <a:schemeClr val="tx1"/>
                 </a:solidFill>
               </a:rPr>
               <a:t>Pessoas que deram pelo menos 2 </a:t>
@@ -9187,7 +9381,7 @@
             <a:r>
               <a:rPr lang="pt-BR" sz="2200" i="1" dirty="0">
                 <a:solidFill>
-                  <a:srgbClr val="FF0000"/>
+                  <a:schemeClr val="tx1"/>
                 </a:solidFill>
               </a:rPr>
               <a:t>likes</a:t>
@@ -9195,7 +9389,7 @@
             <a:r>
               <a:rPr lang="pt-BR" sz="2200" dirty="0">
                 <a:solidFill>
-                  <a:srgbClr val="FF0000"/>
+                  <a:schemeClr val="tx1"/>
                 </a:solidFill>
               </a:rPr>
               <a:t> em algum </a:t>
@@ -9203,7 +9397,7 @@
             <a:r>
               <a:rPr lang="pt-BR" sz="2400" dirty="0">
                 <a:solidFill>
-                  <a:srgbClr val="FF0000"/>
+                  <a:schemeClr val="tx1"/>
                 </a:solidFill>
               </a:rPr>
               <a:t>local</a:t>
@@ -9212,7 +9406,7 @@
           <a:p>
             <a:endParaRPr lang="pt-BR" sz="2400" dirty="0">
               <a:solidFill>
-                <a:srgbClr val="FF0000"/>
+                <a:schemeClr val="tx1"/>
               </a:solidFill>
             </a:endParaRPr>
           </a:p>
@@ -9220,7 +9414,7 @@
             <a:r>
               <a:rPr lang="pt-BR" sz="2400" dirty="0">
                 <a:solidFill>
-                  <a:srgbClr val="FF0000"/>
+                  <a:schemeClr val="tx1"/>
                 </a:solidFill>
               </a:rPr>
               <a:t>Redução para: 6.670 </a:t>
@@ -9228,7 +9422,7 @@
             <a:r>
               <a:rPr lang="pt-BR" sz="2400" i="1" dirty="0">
                 <a:solidFill>
-                  <a:srgbClr val="FF0000"/>
+                  <a:schemeClr val="tx1"/>
                 </a:solidFill>
               </a:rPr>
               <a:t>likes</a:t>
@@ -9239,7 +9433,7 @@
             <a:r>
               <a:rPr lang="pt-BR" sz="2200" i="1" dirty="0">
                 <a:solidFill>
-                  <a:srgbClr val="FF0000"/>
+                  <a:schemeClr val="tx1"/>
                 </a:solidFill>
               </a:rPr>
               <a:t>62 locais distintos</a:t>
@@ -9250,7 +9444,7 @@
             <a:r>
               <a:rPr lang="pt-BR" sz="2200" i="1" dirty="0">
                 <a:solidFill>
-                  <a:srgbClr val="FF0000"/>
+                  <a:schemeClr val="tx1"/>
                 </a:solidFill>
               </a:rPr>
               <a:t>2.429 usuários</a:t>
@@ -9371,7 +9565,7 @@
             <a:r>
               <a:rPr lang="pt-BR" dirty="0">
                 <a:solidFill>
-                  <a:srgbClr val="FF0000"/>
+                  <a:schemeClr val="tx1"/>
                 </a:solidFill>
               </a:rPr>
               <a:t>Grau:  419</a:t>
@@ -9382,7 +9576,7 @@
             <a:r>
               <a:rPr lang="pt-BR" dirty="0">
                 <a:solidFill>
-                  <a:srgbClr val="FF0000"/>
+                  <a:schemeClr val="tx1"/>
                 </a:solidFill>
               </a:rPr>
               <a:t>Arestas com peso!</a:t>
@@ -9391,7 +9585,7 @@
           <a:p>
             <a:endParaRPr lang="pt-BR" dirty="0">
               <a:solidFill>
-                <a:srgbClr val="FF0000"/>
+                <a:schemeClr val="tx1"/>
               </a:solidFill>
             </a:endParaRPr>
           </a:p>
@@ -9399,7 +9593,7 @@
             <a:r>
               <a:rPr lang="pt-BR" dirty="0">
                 <a:solidFill>
-                  <a:srgbClr val="FF0000"/>
+                  <a:schemeClr val="tx1"/>
                 </a:solidFill>
               </a:rPr>
               <a:t>Coeficiente de </a:t>
@@ -9407,7 +9601,7 @@
             <a:r>
               <a:rPr lang="pt-BR" dirty="0" err="1">
                 <a:solidFill>
-                  <a:srgbClr val="FF0000"/>
+                  <a:schemeClr val="tx1"/>
                 </a:solidFill>
               </a:rPr>
               <a:t>Clustering</a:t>
@@ -9415,14 +9609,14 @@
             <a:r>
               <a:rPr lang="pt-BR" dirty="0" smtClean="0">
                 <a:solidFill>
-                  <a:srgbClr val="FF0000"/>
+                  <a:schemeClr val="tx1"/>
                 </a:solidFill>
               </a:rPr>
               <a:t>: 0.0669 </a:t>
             </a:r>
             <a:endParaRPr lang="pt-BR" dirty="0">
               <a:solidFill>
-                <a:srgbClr val="FF0000"/>
+                <a:schemeClr val="tx1"/>
               </a:solidFill>
             </a:endParaRPr>
           </a:p>
@@ -9432,7 +9626,7 @@
             </a:pPr>
             <a:endParaRPr lang="pt-BR" dirty="0">
               <a:solidFill>
-                <a:srgbClr val="FF0000"/>
+                <a:schemeClr val="tx1"/>
               </a:solidFill>
             </a:endParaRPr>
           </a:p>
@@ -9440,24 +9634,11 @@
             <a:r>
               <a:rPr lang="pt-BR" dirty="0">
                 <a:solidFill>
-                  <a:srgbClr val="FF0000"/>
+                  <a:schemeClr val="tx1"/>
                 </a:solidFill>
               </a:rPr>
-              <a:t>Excentricidade</a:t>
-            </a:r>
-            <a:r>
-              <a:rPr lang="pt-BR" dirty="0">
-                <a:solidFill>
-                  <a:srgbClr val="FF0000"/>
-                </a:solidFill>
-              </a:rPr>
-              <a:t>: 2.4594</a:t>
-            </a:r>
-            <a:endParaRPr lang="pt-BR" dirty="0">
-              <a:solidFill>
-                <a:srgbClr val="FF0000"/>
-              </a:solidFill>
-            </a:endParaRPr>
+              <a:t>Excentricidade: 2.4594</a:t>
+            </a:r>
           </a:p>
         </p:txBody>
       </p:sp>
@@ -9571,7 +9752,7 @@
             <a:r>
               <a:rPr lang="pt-BR" dirty="0">
                 <a:solidFill>
-                  <a:srgbClr val="FF0000"/>
+                  <a:schemeClr val="tx1"/>
                 </a:solidFill>
               </a:rPr>
               <a:t>Centralidade de grau: 0.1544</a:t>
@@ -9582,21 +9763,21 @@
             <a:r>
               <a:rPr lang="pt-BR" dirty="0" err="1">
                 <a:solidFill>
-                  <a:srgbClr val="FF0000"/>
+                  <a:schemeClr val="tx1"/>
                 </a:solidFill>
               </a:rPr>
               <a:t>degree</a:t>
             </a:r>
             <a:endParaRPr lang="pt-BR" dirty="0">
               <a:solidFill>
-                <a:srgbClr val="FF0000"/>
+                <a:schemeClr val="tx1"/>
               </a:solidFill>
             </a:endParaRPr>
           </a:p>
           <a:p>
             <a:endParaRPr lang="pt-BR" dirty="0">
               <a:solidFill>
-                <a:srgbClr val="FF0000"/>
+                <a:schemeClr val="tx1"/>
               </a:solidFill>
             </a:endParaRPr>
           </a:p>
@@ -9604,48 +9785,48 @@
             <a:r>
               <a:rPr lang="pt-BR" dirty="0">
                 <a:solidFill>
-                  <a:srgbClr val="FF0000"/>
+                  <a:schemeClr val="tx1"/>
                 </a:solidFill>
               </a:rPr>
               <a:t>Centralidade de </a:t>
             </a:r>
             <a:r>
+              <a:rPr lang="pt-BR" dirty="0" smtClean="0">
+                <a:solidFill>
+                  <a:schemeClr val="tx1"/>
+                </a:solidFill>
+              </a:rPr>
+              <a:t>auto vetor: </a:t>
+            </a:r>
+            <a:r>
+              <a:rPr lang="pt-BR" dirty="0">
+                <a:solidFill>
+                  <a:schemeClr val="tx1"/>
+                </a:solidFill>
+              </a:rPr>
+              <a:t>0.0167</a:t>
+            </a:r>
+          </a:p>
+          <a:p>
+            <a:pPr lvl="1"/>
+            <a:r>
               <a:rPr lang="pt-BR" dirty="0" err="1">
                 <a:solidFill>
-                  <a:srgbClr val="FF0000"/>
-                </a:solidFill>
-              </a:rPr>
-              <a:t>autovetor</a:t>
-            </a:r>
-            <a:r>
-              <a:rPr lang="pt-BR" dirty="0">
-                <a:solidFill>
-                  <a:srgbClr val="FF0000"/>
-                </a:solidFill>
-              </a:rPr>
-              <a:t>: 0.0167</a:t>
-            </a:r>
-          </a:p>
-          <a:p>
-            <a:pPr lvl="1"/>
-            <a:r>
-              <a:rPr lang="pt-BR" dirty="0" err="1">
-                <a:solidFill>
-                  <a:srgbClr val="FF0000"/>
+                  <a:schemeClr val="tx1"/>
                 </a:solidFill>
               </a:rPr>
               <a:t>eigenvector</a:t>
             </a:r>
             <a:endParaRPr lang="pt-BR" dirty="0">
               <a:solidFill>
-                <a:srgbClr val="FF0000"/>
+                <a:schemeClr val="tx1"/>
               </a:solidFill>
             </a:endParaRPr>
           </a:p>
           <a:p>
             <a:endParaRPr lang="pt-BR" dirty="0">
               <a:solidFill>
-                <a:srgbClr val="FF0000"/>
+                <a:schemeClr val="tx1"/>
               </a:solidFill>
             </a:endParaRPr>
           </a:p>
@@ -9653,31 +9834,18 @@
             <a:r>
               <a:rPr lang="pt-BR" dirty="0">
                 <a:solidFill>
-                  <a:srgbClr val="FF0000"/>
+                  <a:schemeClr val="tx1"/>
                 </a:solidFill>
               </a:rPr>
-              <a:t>Centralidade de proximidade</a:t>
-            </a:r>
-            <a:r>
-              <a:rPr lang="pt-BR" dirty="0">
-                <a:solidFill>
-                  <a:srgbClr val="FF0000"/>
-                </a:solidFill>
-              </a:rPr>
-              <a:t>: 0.0003</a:t>
-            </a:r>
-            <a:endParaRPr lang="pt-BR" dirty="0">
-              <a:solidFill>
-                <a:srgbClr val="FF0000"/>
-              </a:solidFill>
-            </a:endParaRPr>
+              <a:t>Centralidade de proximidade: 0.0003</a:t>
+            </a:r>
           </a:p>
           <a:p>
             <a:pPr lvl="1"/>
             <a:r>
               <a:rPr lang="pt-BR" dirty="0" err="1">
                 <a:solidFill>
-                  <a:srgbClr val="FF0000"/>
+                  <a:schemeClr val="tx1"/>
                 </a:solidFill>
               </a:rPr>
               <a:t>betweenness</a:t>
@@ -9685,7 +9853,7 @@
             <a:r>
               <a:rPr lang="pt-BR" dirty="0">
                 <a:solidFill>
-                  <a:srgbClr val="FF0000"/>
+                  <a:schemeClr val="tx1"/>
                 </a:solidFill>
               </a:rPr>
               <a:t/>
@@ -9693,13 +9861,13 @@
             <a:br>
               <a:rPr lang="pt-BR" dirty="0">
                 <a:solidFill>
-                  <a:srgbClr val="FF0000"/>
+                  <a:schemeClr val="tx1"/>
                 </a:solidFill>
               </a:rPr>
             </a:br>
             <a:endParaRPr lang="pt-BR" dirty="0">
               <a:solidFill>
-                <a:srgbClr val="FF0000"/>
+                <a:schemeClr val="tx1"/>
               </a:solidFill>
             </a:endParaRPr>
           </a:p>
@@ -9795,7 +9963,7 @@
           <p:cNvPr id="8" name="CaixaDeTexto 7">
             <a:extLst>
               <a:ext uri="{FF2B5EF4-FFF2-40B4-BE49-F238E27FC236}">
-                <a16:creationId xmlns:a16="http://schemas.microsoft.com/office/drawing/2014/main" xmlns="" id="{54D519CA-1BBF-466F-A438-BD1659D77F80}"/>
+                <a16:creationId xmlns="" xmlns:a16="http://schemas.microsoft.com/office/drawing/2014/main" id="{54D519CA-1BBF-466F-A438-BD1659D77F80}"/>
               </a:ext>
             </a:extLst>
           </p:cNvPr>
@@ -9819,50 +9987,26 @@
           <a:lstStyle/>
           <a:p>
             <a:r>
-              <a:rPr lang="pt-BR" dirty="0">
-                <a:solidFill>
-                  <a:srgbClr val="FF0000"/>
-                </a:solidFill>
-              </a:rPr>
+              <a:rPr lang="pt-BR" dirty="0"/>
               <a:t>Cor: centralidade de grau</a:t>
             </a:r>
           </a:p>
           <a:p>
-            <a:endParaRPr lang="pt-BR" dirty="0">
-              <a:solidFill>
-                <a:srgbClr val="FF0000"/>
-              </a:solidFill>
-            </a:endParaRPr>
-          </a:p>
-          <a:p>
-            <a:endParaRPr lang="pt-BR" dirty="0">
-              <a:solidFill>
-                <a:srgbClr val="FF0000"/>
-              </a:solidFill>
-            </a:endParaRPr>
-          </a:p>
-          <a:p>
-            <a:r>
-              <a:rPr lang="pt-BR" dirty="0">
-                <a:solidFill>
-                  <a:srgbClr val="FF0000"/>
-                </a:solidFill>
-              </a:rPr>
+            <a:endParaRPr lang="pt-BR" dirty="0"/>
+          </a:p>
+          <a:p>
+            <a:endParaRPr lang="pt-BR" dirty="0"/>
+          </a:p>
+          <a:p>
+            <a:r>
+              <a:rPr lang="pt-BR" dirty="0"/>
               <a:t>Tamanho: centralidade de </a:t>
             </a:r>
             <a:r>
-              <a:rPr lang="pt-BR" dirty="0" err="1">
-                <a:solidFill>
-                  <a:srgbClr val="FF0000"/>
-                </a:solidFill>
-              </a:rPr>
-              <a:t>autovetor</a:t>
-            </a:r>
-            <a:endParaRPr lang="pt-BR" dirty="0">
-              <a:solidFill>
-                <a:srgbClr val="FF0000"/>
-              </a:solidFill>
-            </a:endParaRPr>
+              <a:rPr lang="pt-BR" dirty="0" smtClean="0"/>
+              <a:t>auto vetor</a:t>
+            </a:r>
+            <a:endParaRPr lang="pt-BR" dirty="0"/>
           </a:p>
         </p:txBody>
       </p:sp>
@@ -9871,7 +10015,7 @@
           <p:cNvPr id="10" name="Imagem 9">
             <a:extLst>
               <a:ext uri="{FF2B5EF4-FFF2-40B4-BE49-F238E27FC236}">
-                <a16:creationId xmlns:a16="http://schemas.microsoft.com/office/drawing/2014/main" xmlns="" id="{3D607141-C501-490E-A03D-24BE137CDFDB}"/>
+                <a16:creationId xmlns="" xmlns:a16="http://schemas.microsoft.com/office/drawing/2014/main" id="{3D607141-C501-490E-A03D-24BE137CDFDB}"/>
               </a:ext>
             </a:extLst>
           </p:cNvPr>
@@ -9996,24 +10140,24 @@
               <a:t> </a:t>
             </a:r>
             <a:r>
+              <a:rPr lang="pt-BR" sz="2400" dirty="0" err="1" smtClean="0"/>
+              <a:t>Louvain</a:t>
+            </a:r>
+            <a:r>
+              <a:rPr lang="pt-BR" sz="2400" dirty="0" smtClean="0"/>
+              <a:t> </a:t>
+            </a:r>
+            <a:r>
               <a:rPr lang="pt-BR" sz="2400" dirty="0" err="1"/>
-              <a:t>Lovain</a:t>
+              <a:t>Modularity</a:t>
             </a:r>
             <a:r>
               <a:rPr lang="pt-BR" sz="2400" dirty="0"/>
               <a:t> </a:t>
             </a:r>
             <a:r>
-              <a:rPr lang="pt-BR" sz="2400" dirty="0" err="1"/>
-              <a:t>Modularity</a:t>
-            </a:r>
-            <a:r>
-              <a:rPr lang="pt-BR" sz="2400" dirty="0"/>
-              <a:t> </a:t>
-            </a:r>
-            <a:r>
-              <a:rPr lang="pt-BR" sz="2400" dirty="0" err="1"/>
-              <a:t>algorithm</a:t>
+              <a:rPr lang="pt-BR" sz="2400" dirty="0" err="1" smtClean="0"/>
+              <a:t>Algorithm</a:t>
             </a:r>
             <a:endParaRPr lang="pt-BR" dirty="0"/>
           </a:p>

--- a/docs/Foursquare’s Network Analyse.pptx
+++ b/docs/Foursquare’s Network Analyse.pptx
@@ -5926,7 +5926,7 @@
           <p:cNvPr id="8" name="CaixaDeTexto 7">
             <a:extLst>
               <a:ext uri="{FF2B5EF4-FFF2-40B4-BE49-F238E27FC236}">
-                <a16:creationId xmlns="" xmlns:a16="http://schemas.microsoft.com/office/drawing/2014/main" id="{61ED55C9-13D3-498C-9A3C-4AA249C26E65}"/>
+                <a16:creationId xmlns:a16="http://schemas.microsoft.com/office/drawing/2014/main" xmlns="" id="{61ED55C9-13D3-498C-9A3C-4AA249C26E65}"/>
               </a:ext>
             </a:extLst>
           </p:cNvPr>
@@ -5990,7 +5990,7 @@
           <p:cNvPr id="12" name="Imagem 11">
             <a:extLst>
               <a:ext uri="{FF2B5EF4-FFF2-40B4-BE49-F238E27FC236}">
-                <a16:creationId xmlns="" xmlns:a16="http://schemas.microsoft.com/office/drawing/2014/main" id="{3A3E2920-929B-4DA2-8991-B8143AD3FD64}"/>
+                <a16:creationId xmlns:a16="http://schemas.microsoft.com/office/drawing/2014/main" xmlns="" id="{3A3E2920-929B-4DA2-8991-B8143AD3FD64}"/>
               </a:ext>
             </a:extLst>
           </p:cNvPr>
@@ -6050,7 +6050,7 @@
           <p:cNvPr id="13" name="Imagem 12">
             <a:extLst>
               <a:ext uri="{FF2B5EF4-FFF2-40B4-BE49-F238E27FC236}">
-                <a16:creationId xmlns="" xmlns:a16="http://schemas.microsoft.com/office/drawing/2014/main" id="{F6A746F9-9ECD-42CC-B26D-0DD30A52809D}"/>
+                <a16:creationId xmlns:a16="http://schemas.microsoft.com/office/drawing/2014/main" xmlns="" id="{F6A746F9-9ECD-42CC-B26D-0DD30A52809D}"/>
               </a:ext>
             </a:extLst>
           </p:cNvPr>
@@ -6080,7 +6080,7 @@
           <p:cNvPr id="2" name="Título 1">
             <a:extLst>
               <a:ext uri="{FF2B5EF4-FFF2-40B4-BE49-F238E27FC236}">
-                <a16:creationId xmlns="" xmlns:a16="http://schemas.microsoft.com/office/drawing/2014/main" id="{71DB5B39-EAF3-439A-8484-E547FAE8218C}"/>
+                <a16:creationId xmlns:a16="http://schemas.microsoft.com/office/drawing/2014/main" xmlns="" id="{71DB5B39-EAF3-439A-8484-E547FAE8218C}"/>
               </a:ext>
             </a:extLst>
           </p:cNvPr>
@@ -6108,7 +6108,7 @@
           <p:cNvPr id="7" name="Retângulo: Cantos Arredondados 6">
             <a:extLst>
               <a:ext uri="{FF2B5EF4-FFF2-40B4-BE49-F238E27FC236}">
-                <a16:creationId xmlns="" xmlns:a16="http://schemas.microsoft.com/office/drawing/2014/main" id="{01AB2DBC-1523-4280-806B-45E6B0F7FA21}"/>
+                <a16:creationId xmlns:a16="http://schemas.microsoft.com/office/drawing/2014/main" xmlns="" id="{01AB2DBC-1523-4280-806B-45E6B0F7FA21}"/>
               </a:ext>
             </a:extLst>
           </p:cNvPr>
@@ -6223,7 +6223,7 @@
           <p:cNvPr id="8" name="Retângulo: Cantos Arredondados 7">
             <a:extLst>
               <a:ext uri="{FF2B5EF4-FFF2-40B4-BE49-F238E27FC236}">
-                <a16:creationId xmlns="" xmlns:a16="http://schemas.microsoft.com/office/drawing/2014/main" id="{B8AD6EE8-C0E8-490F-A291-874798FAD43D}"/>
+                <a16:creationId xmlns:a16="http://schemas.microsoft.com/office/drawing/2014/main" xmlns="" id="{B8AD6EE8-C0E8-490F-A291-874798FAD43D}"/>
               </a:ext>
             </a:extLst>
           </p:cNvPr>
@@ -6334,7 +6334,7 @@
           <p:cNvPr id="9" name="Retângulo: Cantos Arredondados 8">
             <a:extLst>
               <a:ext uri="{FF2B5EF4-FFF2-40B4-BE49-F238E27FC236}">
-                <a16:creationId xmlns="" xmlns:a16="http://schemas.microsoft.com/office/drawing/2014/main" id="{D00B74BC-0883-47A3-8DB5-B2264A83B349}"/>
+                <a16:creationId xmlns:a16="http://schemas.microsoft.com/office/drawing/2014/main" xmlns="" id="{D00B74BC-0883-47A3-8DB5-B2264A83B349}"/>
               </a:ext>
             </a:extLst>
           </p:cNvPr>
@@ -6470,7 +6470,7 @@
           <p:cNvPr id="10" name="Retângulo: Cantos Arredondados 9">
             <a:extLst>
               <a:ext uri="{FF2B5EF4-FFF2-40B4-BE49-F238E27FC236}">
-                <a16:creationId xmlns="" xmlns:a16="http://schemas.microsoft.com/office/drawing/2014/main" id="{1F3271E4-BB57-493E-82E6-AAC07F21B242}"/>
+                <a16:creationId xmlns:a16="http://schemas.microsoft.com/office/drawing/2014/main" xmlns="" id="{1F3271E4-BB57-493E-82E6-AAC07F21B242}"/>
               </a:ext>
             </a:extLst>
           </p:cNvPr>
@@ -6607,7 +6607,7 @@
           <p:cNvPr id="11" name="Retângulo: Cantos Arredondados 10">
             <a:extLst>
               <a:ext uri="{FF2B5EF4-FFF2-40B4-BE49-F238E27FC236}">
-                <a16:creationId xmlns="" xmlns:a16="http://schemas.microsoft.com/office/drawing/2014/main" id="{A6DEC8E8-B7E1-45A4-A279-BA61F9007E67}"/>
+                <a16:creationId xmlns:a16="http://schemas.microsoft.com/office/drawing/2014/main" xmlns="" id="{A6DEC8E8-B7E1-45A4-A279-BA61F9007E67}"/>
               </a:ext>
             </a:extLst>
           </p:cNvPr>
@@ -6733,7 +6733,7 @@
           <p:cNvPr id="12" name="Retângulo: Cantos Arredondados 11">
             <a:extLst>
               <a:ext uri="{FF2B5EF4-FFF2-40B4-BE49-F238E27FC236}">
-                <a16:creationId xmlns="" xmlns:a16="http://schemas.microsoft.com/office/drawing/2014/main" id="{BF647112-DC6A-4460-A8AA-DD003847CB68}"/>
+                <a16:creationId xmlns:a16="http://schemas.microsoft.com/office/drawing/2014/main" xmlns="" id="{BF647112-DC6A-4460-A8AA-DD003847CB68}"/>
               </a:ext>
             </a:extLst>
           </p:cNvPr>
@@ -6917,7 +6917,7 @@
           <p:cNvPr id="15" name="Conector de Seta Reta 14">
             <a:extLst>
               <a:ext uri="{FF2B5EF4-FFF2-40B4-BE49-F238E27FC236}">
-                <a16:creationId xmlns="" xmlns:a16="http://schemas.microsoft.com/office/drawing/2014/main" id="{6A796FFE-136E-4698-BBF9-EF692F742D92}"/>
+                <a16:creationId xmlns:a16="http://schemas.microsoft.com/office/drawing/2014/main" xmlns="" id="{6A796FFE-136E-4698-BBF9-EF692F742D92}"/>
               </a:ext>
             </a:extLst>
           </p:cNvPr>
@@ -6964,7 +6964,7 @@
           <p:cNvPr id="17" name="Conector de Seta Reta 16">
             <a:extLst>
               <a:ext uri="{FF2B5EF4-FFF2-40B4-BE49-F238E27FC236}">
-                <a16:creationId xmlns="" xmlns:a16="http://schemas.microsoft.com/office/drawing/2014/main" id="{29471288-8F11-443F-9055-F011309736D5}"/>
+                <a16:creationId xmlns:a16="http://schemas.microsoft.com/office/drawing/2014/main" xmlns="" id="{29471288-8F11-443F-9055-F011309736D5}"/>
               </a:ext>
             </a:extLst>
           </p:cNvPr>
@@ -7011,7 +7011,7 @@
           <p:cNvPr id="19" name="Conector de Seta Reta 18">
             <a:extLst>
               <a:ext uri="{FF2B5EF4-FFF2-40B4-BE49-F238E27FC236}">
-                <a16:creationId xmlns="" xmlns:a16="http://schemas.microsoft.com/office/drawing/2014/main" id="{70633604-6DA6-437C-BFB4-7E67C3DD7559}"/>
+                <a16:creationId xmlns:a16="http://schemas.microsoft.com/office/drawing/2014/main" xmlns="" id="{70633604-6DA6-437C-BFB4-7E67C3DD7559}"/>
               </a:ext>
             </a:extLst>
           </p:cNvPr>
@@ -7058,7 +7058,7 @@
           <p:cNvPr id="21" name="Conector de Seta Reta 20">
             <a:extLst>
               <a:ext uri="{FF2B5EF4-FFF2-40B4-BE49-F238E27FC236}">
-                <a16:creationId xmlns="" xmlns:a16="http://schemas.microsoft.com/office/drawing/2014/main" id="{38CA60CF-08B9-48F8-95C4-341BD45E05EE}"/>
+                <a16:creationId xmlns:a16="http://schemas.microsoft.com/office/drawing/2014/main" xmlns="" id="{38CA60CF-08B9-48F8-95C4-341BD45E05EE}"/>
               </a:ext>
             </a:extLst>
           </p:cNvPr>
@@ -7105,7 +7105,7 @@
           <p:cNvPr id="23" name="Conector de Seta Reta 22">
             <a:extLst>
               <a:ext uri="{FF2B5EF4-FFF2-40B4-BE49-F238E27FC236}">
-                <a16:creationId xmlns="" xmlns:a16="http://schemas.microsoft.com/office/drawing/2014/main" id="{C7A72E94-0BDF-43CD-A12F-973E6D1EF7A9}"/>
+                <a16:creationId xmlns:a16="http://schemas.microsoft.com/office/drawing/2014/main" xmlns="" id="{C7A72E94-0BDF-43CD-A12F-973E6D1EF7A9}"/>
               </a:ext>
             </a:extLst>
           </p:cNvPr>
@@ -7152,7 +7152,7 @@
           <p:cNvPr id="25" name="Conector de Seta Reta 24">
             <a:extLst>
               <a:ext uri="{FF2B5EF4-FFF2-40B4-BE49-F238E27FC236}">
-                <a16:creationId xmlns="" xmlns:a16="http://schemas.microsoft.com/office/drawing/2014/main" id="{77D8192B-28C1-4494-BECA-22412716A133}"/>
+                <a16:creationId xmlns:a16="http://schemas.microsoft.com/office/drawing/2014/main" xmlns="" id="{77D8192B-28C1-4494-BECA-22412716A133}"/>
               </a:ext>
             </a:extLst>
           </p:cNvPr>
@@ -8412,11 +8412,7 @@
             </a:r>
             <a:r>
               <a:rPr lang="pt-BR" dirty="0" smtClean="0"/>
-              <a:t>    campanhas de publicidades direcionadas.</a:t>
-            </a:r>
-            <a:r>
-              <a:rPr lang="pt-BR" dirty="0" smtClean="0"/>
-              <a:t> </a:t>
+              <a:t>    campanhas de publicidades direcionadas. </a:t>
             </a:r>
           </a:p>
           <a:p>
@@ -8427,7 +8423,6 @@
               <a:rPr lang="pt-BR" dirty="0"/>
               <a:t>	</a:t>
             </a:r>
-            <a:endParaRPr lang="pt-BR" dirty="0"/>
           </a:p>
           <a:p>
             <a:pPr marL="0" indent="0">
@@ -9837,7 +9832,23 @@
                   <a:schemeClr val="tx1"/>
                 </a:solidFill>
               </a:rPr>
-              <a:t>Centralidade de proximidade: 0.0003</a:t>
+              <a:t>Centralidade de </a:t>
+            </a:r>
+            <a:r>
+              <a:rPr lang="pt-BR" dirty="0" smtClean="0">
+                <a:solidFill>
+                  <a:schemeClr val="tx1"/>
+                </a:solidFill>
+              </a:rPr>
+              <a:t>intermediação: </a:t>
+            </a:r>
+            <a:r>
+              <a:rPr lang="pt-BR" dirty="0">
+                <a:solidFill>
+                  <a:schemeClr val="tx1"/>
+                </a:solidFill>
+              </a:rPr>
+              <a:t>0.0003</a:t>
             </a:r>
           </a:p>
           <a:p>
@@ -9963,7 +9974,7 @@
           <p:cNvPr id="8" name="CaixaDeTexto 7">
             <a:extLst>
               <a:ext uri="{FF2B5EF4-FFF2-40B4-BE49-F238E27FC236}">
-                <a16:creationId xmlns="" xmlns:a16="http://schemas.microsoft.com/office/drawing/2014/main" id="{54D519CA-1BBF-466F-A438-BD1659D77F80}"/>
+                <a16:creationId xmlns:a16="http://schemas.microsoft.com/office/drawing/2014/main" xmlns="" id="{54D519CA-1BBF-466F-A438-BD1659D77F80}"/>
               </a:ext>
             </a:extLst>
           </p:cNvPr>
@@ -10015,7 +10026,7 @@
           <p:cNvPr id="10" name="Imagem 9">
             <a:extLst>
               <a:ext uri="{FF2B5EF4-FFF2-40B4-BE49-F238E27FC236}">
-                <a16:creationId xmlns="" xmlns:a16="http://schemas.microsoft.com/office/drawing/2014/main" id="{3D607141-C501-490E-A03D-24BE137CDFDB}"/>
+                <a16:creationId xmlns:a16="http://schemas.microsoft.com/office/drawing/2014/main" xmlns="" id="{3D607141-C501-490E-A03D-24BE137CDFDB}"/>
               </a:ext>
             </a:extLst>
           </p:cNvPr>
